--- a/RoS/overview.pptx
+++ b/RoS/overview.pptx
@@ -11,6 +11,11 @@
     <p:sldId id="258" r:id="rId5"/>
     <p:sldId id="260" r:id="rId6"/>
     <p:sldId id="259" r:id="rId7"/>
+    <p:sldId id="262" r:id="rId8"/>
+    <p:sldId id="266" r:id="rId9"/>
+    <p:sldId id="263" r:id="rId10"/>
+    <p:sldId id="264" r:id="rId11"/>
+    <p:sldId id="265" r:id="rId12"/>
   </p:sldIdLst>
   <p:sldSz cx="9144000" cy="6858000" type="screen4x3"/>
   <p:notesSz cx="6858000" cy="9144000"/>
@@ -293,7 +298,8 @@
           <a:p>
             <a:fld id="{F4F221FF-4770-834B-B347-A5613C0A51C9}" type="datetimeFigureOut">
               <a:rPr lang="en-GB" smtClean="0"/>
-              <a:t>2/26/18</a:t>
+              <a:pPr/>
+              <a:t>3/12/18</a:t>
             </a:fld>
             <a:endParaRPr lang="en-GB"/>
           </a:p>
@@ -335,6 +341,7 @@
           <a:p>
             <a:fld id="{7CCD80BE-E7B2-624E-A7A9-0533F9675596}" type="slidenum">
               <a:rPr lang="en-GB" smtClean="0"/>
+              <a:pPr/>
               <a:t>‹#›</a:t>
             </a:fld>
             <a:endParaRPr lang="en-GB"/>
@@ -458,7 +465,8 @@
           <a:p>
             <a:fld id="{F4F221FF-4770-834B-B347-A5613C0A51C9}" type="datetimeFigureOut">
               <a:rPr lang="en-GB" smtClean="0"/>
-              <a:t>2/26/18</a:t>
+              <a:pPr/>
+              <a:t>3/12/18</a:t>
             </a:fld>
             <a:endParaRPr lang="en-GB"/>
           </a:p>
@@ -500,6 +508,7 @@
           <a:p>
             <a:fld id="{7CCD80BE-E7B2-624E-A7A9-0533F9675596}" type="slidenum">
               <a:rPr lang="en-GB" smtClean="0"/>
+              <a:pPr/>
               <a:t>‹#›</a:t>
             </a:fld>
             <a:endParaRPr lang="en-GB"/>
@@ -633,7 +642,8 @@
           <a:p>
             <a:fld id="{F4F221FF-4770-834B-B347-A5613C0A51C9}" type="datetimeFigureOut">
               <a:rPr lang="en-GB" smtClean="0"/>
-              <a:t>2/26/18</a:t>
+              <a:pPr/>
+              <a:t>3/12/18</a:t>
             </a:fld>
             <a:endParaRPr lang="en-GB"/>
           </a:p>
@@ -675,6 +685,7 @@
           <a:p>
             <a:fld id="{7CCD80BE-E7B2-624E-A7A9-0533F9675596}" type="slidenum">
               <a:rPr lang="en-GB" smtClean="0"/>
+              <a:pPr/>
               <a:t>‹#›</a:t>
             </a:fld>
             <a:endParaRPr lang="en-GB"/>
@@ -798,7 +809,8 @@
           <a:p>
             <a:fld id="{F4F221FF-4770-834B-B347-A5613C0A51C9}" type="datetimeFigureOut">
               <a:rPr lang="en-GB" smtClean="0"/>
-              <a:t>2/26/18</a:t>
+              <a:pPr/>
+              <a:t>3/12/18</a:t>
             </a:fld>
             <a:endParaRPr lang="en-GB"/>
           </a:p>
@@ -840,6 +852,7 @@
           <a:p>
             <a:fld id="{7CCD80BE-E7B2-624E-A7A9-0533F9675596}" type="slidenum">
               <a:rPr lang="en-GB" smtClean="0"/>
+              <a:pPr/>
               <a:t>‹#›</a:t>
             </a:fld>
             <a:endParaRPr lang="en-GB"/>
@@ -1039,7 +1052,8 @@
           <a:p>
             <a:fld id="{F4F221FF-4770-834B-B347-A5613C0A51C9}" type="datetimeFigureOut">
               <a:rPr lang="en-GB" smtClean="0"/>
-              <a:t>2/26/18</a:t>
+              <a:pPr/>
+              <a:t>3/12/18</a:t>
             </a:fld>
             <a:endParaRPr lang="en-GB"/>
           </a:p>
@@ -1081,6 +1095,7 @@
           <a:p>
             <a:fld id="{7CCD80BE-E7B2-624E-A7A9-0533F9675596}" type="slidenum">
               <a:rPr lang="en-GB" smtClean="0"/>
+              <a:pPr/>
               <a:t>‹#›</a:t>
             </a:fld>
             <a:endParaRPr lang="en-GB"/>
@@ -1322,7 +1337,8 @@
           <a:p>
             <a:fld id="{F4F221FF-4770-834B-B347-A5613C0A51C9}" type="datetimeFigureOut">
               <a:rPr lang="en-GB" smtClean="0"/>
-              <a:t>2/26/18</a:t>
+              <a:pPr/>
+              <a:t>3/12/18</a:t>
             </a:fld>
             <a:endParaRPr lang="en-GB"/>
           </a:p>
@@ -1364,6 +1380,7 @@
           <a:p>
             <a:fld id="{7CCD80BE-E7B2-624E-A7A9-0533F9675596}" type="slidenum">
               <a:rPr lang="en-GB" smtClean="0"/>
+              <a:pPr/>
               <a:t>‹#›</a:t>
             </a:fld>
             <a:endParaRPr lang="en-GB"/>
@@ -1739,7 +1756,8 @@
           <a:p>
             <a:fld id="{F4F221FF-4770-834B-B347-A5613C0A51C9}" type="datetimeFigureOut">
               <a:rPr lang="en-GB" smtClean="0"/>
-              <a:t>2/26/18</a:t>
+              <a:pPr/>
+              <a:t>3/12/18</a:t>
             </a:fld>
             <a:endParaRPr lang="en-GB"/>
           </a:p>
@@ -1781,6 +1799,7 @@
           <a:p>
             <a:fld id="{7CCD80BE-E7B2-624E-A7A9-0533F9675596}" type="slidenum">
               <a:rPr lang="en-GB" smtClean="0"/>
+              <a:pPr/>
               <a:t>‹#›</a:t>
             </a:fld>
             <a:endParaRPr lang="en-GB"/>
@@ -1852,7 +1871,8 @@
           <a:p>
             <a:fld id="{F4F221FF-4770-834B-B347-A5613C0A51C9}" type="datetimeFigureOut">
               <a:rPr lang="en-GB" smtClean="0"/>
-              <a:t>2/26/18</a:t>
+              <a:pPr/>
+              <a:t>3/12/18</a:t>
             </a:fld>
             <a:endParaRPr lang="en-GB"/>
           </a:p>
@@ -1894,6 +1914,7 @@
           <a:p>
             <a:fld id="{7CCD80BE-E7B2-624E-A7A9-0533F9675596}" type="slidenum">
               <a:rPr lang="en-GB" smtClean="0"/>
+              <a:pPr/>
               <a:t>‹#›</a:t>
             </a:fld>
             <a:endParaRPr lang="en-GB"/>
@@ -1942,7 +1963,8 @@
           <a:p>
             <a:fld id="{F4F221FF-4770-834B-B347-A5613C0A51C9}" type="datetimeFigureOut">
               <a:rPr lang="en-GB" smtClean="0"/>
-              <a:t>2/26/18</a:t>
+              <a:pPr/>
+              <a:t>3/12/18</a:t>
             </a:fld>
             <a:endParaRPr lang="en-GB"/>
           </a:p>
@@ -1984,6 +2006,7 @@
           <a:p>
             <a:fld id="{7CCD80BE-E7B2-624E-A7A9-0533F9675596}" type="slidenum">
               <a:rPr lang="en-GB" smtClean="0"/>
+              <a:pPr/>
               <a:t>‹#›</a:t>
             </a:fld>
             <a:endParaRPr lang="en-GB"/>
@@ -2214,7 +2237,8 @@
           <a:p>
             <a:fld id="{F4F221FF-4770-834B-B347-A5613C0A51C9}" type="datetimeFigureOut">
               <a:rPr lang="en-GB" smtClean="0"/>
-              <a:t>2/26/18</a:t>
+              <a:pPr/>
+              <a:t>3/12/18</a:t>
             </a:fld>
             <a:endParaRPr lang="en-GB"/>
           </a:p>
@@ -2256,6 +2280,7 @@
           <a:p>
             <a:fld id="{7CCD80BE-E7B2-624E-A7A9-0533F9675596}" type="slidenum">
               <a:rPr lang="en-GB" smtClean="0"/>
+              <a:pPr/>
               <a:t>‹#›</a:t>
             </a:fld>
             <a:endParaRPr lang="en-GB"/>
@@ -2462,7 +2487,8 @@
           <a:p>
             <a:fld id="{F4F221FF-4770-834B-B347-A5613C0A51C9}" type="datetimeFigureOut">
               <a:rPr lang="en-GB" smtClean="0"/>
-              <a:t>2/26/18</a:t>
+              <a:pPr/>
+              <a:t>3/12/18</a:t>
             </a:fld>
             <a:endParaRPr lang="en-GB"/>
           </a:p>
@@ -2504,6 +2530,7 @@
           <a:p>
             <a:fld id="{7CCD80BE-E7B2-624E-A7A9-0533F9675596}" type="slidenum">
               <a:rPr lang="en-GB" smtClean="0"/>
+              <a:pPr/>
               <a:t>‹#›</a:t>
             </a:fld>
             <a:endParaRPr lang="en-GB"/>
@@ -2670,7 +2697,8 @@
           <a:p>
             <a:fld id="{F4F221FF-4770-834B-B347-A5613C0A51C9}" type="datetimeFigureOut">
               <a:rPr lang="en-GB" smtClean="0"/>
-              <a:t>2/26/18</a:t>
+              <a:pPr/>
+              <a:t>3/12/18</a:t>
             </a:fld>
             <a:endParaRPr lang="en-GB"/>
           </a:p>
@@ -2748,6 +2776,7 @@
           <a:p>
             <a:fld id="{7CCD80BE-E7B2-624E-A7A9-0533F9675596}" type="slidenum">
               <a:rPr lang="en-GB" smtClean="0"/>
+              <a:pPr/>
               <a:t>‹#›</a:t>
             </a:fld>
             <a:endParaRPr lang="en-GB"/>
@@ -3094,6 +3123,231 @@
 </p:sld>
 </file>
 
+<file path=ppt/slides/slide10.xml><?xml version="1.0" encoding="utf-8"?>
+<p:sld xmlns:a="http://schemas.openxmlformats.org/drawingml/2006/main" xmlns:r="http://schemas.openxmlformats.org/officeDocument/2006/relationships" xmlns:mc="http://schemas.openxmlformats.org/markup-compatibility/2006" xmlns:mv="urn:schemas-microsoft-com:mac:vml" xmlns:p="http://schemas.openxmlformats.org/presentationml/2006/main" mc:Ignorable="mv" mc:PreserveAttributes="mv:*">
+  <p:cSld>
+    <p:spTree>
+      <p:nvGrpSpPr>
+        <p:cNvPr id="1" name=""/>
+        <p:cNvGrpSpPr/>
+        <p:nvPr/>
+      </p:nvGrpSpPr>
+      <p:grpSpPr>
+        <a:xfrm>
+          <a:off x="0" y="0"/>
+          <a:ext cx="0" cy="0"/>
+          <a:chOff x="0" y="0"/>
+          <a:chExt cx="0" cy="0"/>
+        </a:xfrm>
+      </p:grpSpPr>
+      <p:sp>
+        <p:nvSpPr>
+          <p:cNvPr id="2" name="Title 1"/>
+          <p:cNvSpPr>
+            <a:spLocks noGrp="1"/>
+          </p:cNvSpPr>
+          <p:nvPr>
+            <p:ph type="title"/>
+          </p:nvPr>
+        </p:nvSpPr>
+        <p:spPr/>
+        <p:txBody>
+          <a:bodyPr/>
+          <a:lstStyle/>
+          <a:p>
+            <a:r>
+              <a:rPr lang="en-GB" dirty="0" smtClean="0"/>
+              <a:t>Day 4</a:t>
+            </a:r>
+            <a:endParaRPr lang="en-GB" dirty="0"/>
+          </a:p>
+        </p:txBody>
+      </p:sp>
+      <p:sp>
+        <p:nvSpPr>
+          <p:cNvPr id="3" name="Content Placeholder 2"/>
+          <p:cNvSpPr>
+            <a:spLocks noGrp="1"/>
+          </p:cNvSpPr>
+          <p:nvPr>
+            <p:ph idx="1"/>
+          </p:nvPr>
+        </p:nvSpPr>
+        <p:spPr/>
+        <p:txBody>
+          <a:bodyPr>
+            <a:normAutofit/>
+          </a:bodyPr>
+          <a:lstStyle/>
+          <a:p>
+            <a:r>
+              <a:rPr lang="en-GB" dirty="0" err="1" smtClean="0"/>
+              <a:t>NodeJS</a:t>
+            </a:r>
+            <a:r>
+              <a:rPr lang="en-GB" dirty="0" smtClean="0"/>
+              <a:t> and NPM</a:t>
+            </a:r>
+          </a:p>
+          <a:p>
+            <a:endParaRPr lang="en-GB" dirty="0" smtClean="0"/>
+          </a:p>
+          <a:p>
+            <a:r>
+              <a:rPr lang="en-GB" dirty="0" smtClean="0"/>
+              <a:t>Express Server</a:t>
+            </a:r>
+          </a:p>
+          <a:p>
+            <a:endParaRPr lang="en-GB" dirty="0" smtClean="0"/>
+          </a:p>
+          <a:p>
+            <a:r>
+              <a:rPr lang="en-GB" dirty="0" smtClean="0"/>
+              <a:t>Gulp Processes</a:t>
+            </a:r>
+          </a:p>
+          <a:p>
+            <a:endParaRPr lang="en-GB" dirty="0" smtClean="0"/>
+          </a:p>
+          <a:p>
+            <a:r>
+              <a:rPr lang="en-GB" dirty="0" smtClean="0"/>
+              <a:t>Building an Back End API</a:t>
+            </a:r>
+          </a:p>
+        </p:txBody>
+      </p:sp>
+    </p:spTree>
+  </p:cSld>
+  <p:clrMapOvr>
+    <a:masterClrMapping/>
+  </p:clrMapOvr>
+  <p:timing>
+    <p:tnLst>
+      <p:par>
+        <p:cTn id="1" dur="indefinite" restart="never" nodeType="tmRoot"/>
+      </p:par>
+    </p:tnLst>
+  </p:timing>
+</p:sld>
+</file>
+
+<file path=ppt/slides/slide11.xml><?xml version="1.0" encoding="utf-8"?>
+<p:sld xmlns:a="http://schemas.openxmlformats.org/drawingml/2006/main" xmlns:r="http://schemas.openxmlformats.org/officeDocument/2006/relationships" xmlns:mc="http://schemas.openxmlformats.org/markup-compatibility/2006" xmlns:mv="urn:schemas-microsoft-com:mac:vml" xmlns:p="http://schemas.openxmlformats.org/presentationml/2006/main" mc:Ignorable="mv" mc:PreserveAttributes="mv:*">
+  <p:cSld>
+    <p:spTree>
+      <p:nvGrpSpPr>
+        <p:cNvPr id="1" name=""/>
+        <p:cNvGrpSpPr/>
+        <p:nvPr/>
+      </p:nvGrpSpPr>
+      <p:grpSpPr>
+        <a:xfrm>
+          <a:off x="0" y="0"/>
+          <a:ext cx="0" cy="0"/>
+          <a:chOff x="0" y="0"/>
+          <a:chExt cx="0" cy="0"/>
+        </a:xfrm>
+      </p:grpSpPr>
+      <p:sp>
+        <p:nvSpPr>
+          <p:cNvPr id="2" name="Title 1"/>
+          <p:cNvSpPr>
+            <a:spLocks noGrp="1"/>
+          </p:cNvSpPr>
+          <p:nvPr>
+            <p:ph type="title"/>
+          </p:nvPr>
+        </p:nvSpPr>
+        <p:spPr/>
+        <p:txBody>
+          <a:bodyPr/>
+          <a:lstStyle/>
+          <a:p>
+            <a:r>
+              <a:rPr lang="en-GB" dirty="0" smtClean="0"/>
+              <a:t>Day 5</a:t>
+            </a:r>
+            <a:endParaRPr lang="en-GB" dirty="0"/>
+          </a:p>
+        </p:txBody>
+      </p:sp>
+      <p:sp>
+        <p:nvSpPr>
+          <p:cNvPr id="3" name="Content Placeholder 2"/>
+          <p:cNvSpPr>
+            <a:spLocks noGrp="1"/>
+          </p:cNvSpPr>
+          <p:nvPr>
+            <p:ph idx="1"/>
+          </p:nvPr>
+        </p:nvSpPr>
+        <p:spPr/>
+        <p:txBody>
+          <a:bodyPr>
+            <a:normAutofit/>
+          </a:bodyPr>
+          <a:lstStyle/>
+          <a:p>
+            <a:r>
+              <a:rPr lang="en-GB" dirty="0" smtClean="0"/>
+              <a:t>Unit Testing with Mocha</a:t>
+            </a:r>
+          </a:p>
+          <a:p>
+            <a:endParaRPr lang="en-GB" dirty="0" smtClean="0"/>
+          </a:p>
+          <a:p>
+            <a:r>
+              <a:rPr lang="en-GB" dirty="0" smtClean="0"/>
+              <a:t>TDD</a:t>
+            </a:r>
+          </a:p>
+          <a:p>
+            <a:endParaRPr lang="en-GB" dirty="0" smtClean="0"/>
+          </a:p>
+          <a:p>
+            <a:r>
+              <a:rPr lang="en-GB" dirty="0" err="1" smtClean="0"/>
+              <a:t>MongoDB</a:t>
+            </a:r>
+            <a:endParaRPr lang="en-GB" dirty="0" smtClean="0"/>
+          </a:p>
+          <a:p>
+            <a:endParaRPr lang="en-GB" dirty="0" smtClean="0"/>
+          </a:p>
+          <a:p>
+            <a:r>
+              <a:rPr lang="en-GB" dirty="0" smtClean="0"/>
+              <a:t>Angular </a:t>
+            </a:r>
+            <a:r>
+              <a:rPr lang="en-GB" dirty="0" err="1" smtClean="0"/>
+              <a:t>vs</a:t>
+            </a:r>
+            <a:r>
+              <a:rPr lang="en-GB" dirty="0" smtClean="0"/>
+              <a:t> React</a:t>
+            </a:r>
+          </a:p>
+        </p:txBody>
+      </p:sp>
+    </p:spTree>
+  </p:cSld>
+  <p:clrMapOvr>
+    <a:masterClrMapping/>
+  </p:clrMapOvr>
+  <p:timing>
+    <p:tnLst>
+      <p:par>
+        <p:cTn id="1" dur="indefinite" restart="never" nodeType="tmRoot"/>
+      </p:par>
+    </p:tnLst>
+  </p:timing>
+</p:sld>
+</file>
+
 <file path=ppt/slides/slide2.xml><?xml version="1.0" encoding="utf-8"?>
 <p:sld xmlns:a="http://schemas.openxmlformats.org/drawingml/2006/main" xmlns:r="http://schemas.openxmlformats.org/officeDocument/2006/relationships" xmlns:mc="http://schemas.openxmlformats.org/markup-compatibility/2006" xmlns:mv="urn:schemas-microsoft-com:mac:vml" xmlns:p="http://schemas.openxmlformats.org/presentationml/2006/main" mc:Ignorable="mv" mc:PreserveAttributes="mv:*">
   <p:cSld>
@@ -3187,11 +3441,7 @@
             </a:pPr>
             <a:r>
               <a:rPr lang="en-GB" dirty="0" smtClean="0"/>
-              <a:t>Conditionals</a:t>
-            </a:r>
-            <a:r>
-              <a:rPr lang="en-GB" dirty="0" smtClean="0"/>
-              <a:t> </a:t>
+              <a:t>Conditionals </a:t>
             </a:r>
           </a:p>
           <a:p>
@@ -3342,7 +3592,6 @@
               <a:rPr lang="en-GB" dirty="0" smtClean="0"/>
               <a:t>AJAX</a:t>
             </a:r>
-            <a:endParaRPr lang="en-GB" dirty="0" smtClean="0"/>
           </a:p>
           <a:p>
             <a:pPr>
@@ -3509,7 +3758,6 @@
               <a:rPr lang="en-GB" dirty="0" smtClean="0"/>
               <a:t>Dealing with Errors</a:t>
             </a:r>
-            <a:endParaRPr lang="en-GB" dirty="0" smtClean="0"/>
           </a:p>
           <a:p>
             <a:pPr>
@@ -3840,11 +4088,7 @@
             </a:pPr>
             <a:r>
               <a:rPr lang="en-GB" dirty="0" err="1" smtClean="0"/>
-              <a:t>n</a:t>
-            </a:r>
-            <a:r>
-              <a:rPr lang="en-GB" dirty="0" err="1" smtClean="0"/>
-              <a:t>pm</a:t>
+              <a:t>npm</a:t>
             </a:r>
             <a:endParaRPr lang="en-GB" dirty="0" smtClean="0"/>
           </a:p>
@@ -3861,7 +4105,6 @@
               <a:rPr lang="en-GB" dirty="0" smtClean="0"/>
               <a:t>equire()</a:t>
             </a:r>
-            <a:endParaRPr lang="en-GB" dirty="0" smtClean="0"/>
           </a:p>
           <a:p>
             <a:pPr>
@@ -3937,6 +4180,357 @@
   <p:clrMapOvr>
     <a:masterClrMapping/>
   </p:clrMapOvr>
+</p:sld>
+</file>
+
+<file path=ppt/slides/slide7.xml><?xml version="1.0" encoding="utf-8"?>
+<p:sld xmlns:a="http://schemas.openxmlformats.org/drawingml/2006/main" xmlns:r="http://schemas.openxmlformats.org/officeDocument/2006/relationships" xmlns:mc="http://schemas.openxmlformats.org/markup-compatibility/2006" xmlns:mv="urn:schemas-microsoft-com:mac:vml" xmlns:p="http://schemas.openxmlformats.org/presentationml/2006/main" mc:Ignorable="mv" mc:PreserveAttributes="mv:*">
+  <p:cSld>
+    <p:spTree>
+      <p:nvGrpSpPr>
+        <p:cNvPr id="1" name=""/>
+        <p:cNvGrpSpPr/>
+        <p:nvPr/>
+      </p:nvGrpSpPr>
+      <p:grpSpPr>
+        <a:xfrm>
+          <a:off x="0" y="0"/>
+          <a:ext cx="0" cy="0"/>
+          <a:chOff x="0" y="0"/>
+          <a:chExt cx="0" cy="0"/>
+        </a:xfrm>
+      </p:grpSpPr>
+      <p:sp>
+        <p:nvSpPr>
+          <p:cNvPr id="2" name="Title 1"/>
+          <p:cNvSpPr>
+            <a:spLocks noGrp="1"/>
+          </p:cNvSpPr>
+          <p:nvPr>
+            <p:ph type="title"/>
+          </p:nvPr>
+        </p:nvSpPr>
+        <p:spPr/>
+        <p:txBody>
+          <a:bodyPr/>
+          <a:lstStyle/>
+          <a:p>
+            <a:r>
+              <a:rPr lang="en-GB" dirty="0" smtClean="0"/>
+              <a:t>Day 3</a:t>
+            </a:r>
+            <a:endParaRPr lang="en-GB" dirty="0"/>
+          </a:p>
+        </p:txBody>
+      </p:sp>
+      <p:sp>
+        <p:nvSpPr>
+          <p:cNvPr id="3" name="Content Placeholder 2"/>
+          <p:cNvSpPr>
+            <a:spLocks noGrp="1"/>
+          </p:cNvSpPr>
+          <p:nvPr>
+            <p:ph idx="1"/>
+          </p:nvPr>
+        </p:nvSpPr>
+        <p:spPr/>
+        <p:txBody>
+          <a:bodyPr>
+            <a:normAutofit/>
+          </a:bodyPr>
+          <a:lstStyle/>
+          <a:p>
+            <a:r>
+              <a:rPr lang="en-GB" dirty="0" smtClean="0"/>
+              <a:t>Look back at topics covered</a:t>
+            </a:r>
+          </a:p>
+          <a:p>
+            <a:r>
+              <a:rPr lang="en-GB" dirty="0" smtClean="0"/>
+              <a:t>Prepare tools required for last 2 days</a:t>
+            </a:r>
+          </a:p>
+          <a:p>
+            <a:pPr lvl="1"/>
+            <a:r>
+              <a:rPr lang="en-GB" dirty="0" err="1" smtClean="0"/>
+              <a:t>NodeJS</a:t>
+            </a:r>
+            <a:r>
+              <a:rPr lang="en-GB" dirty="0" smtClean="0"/>
+              <a:t>/NPM</a:t>
+            </a:r>
+          </a:p>
+          <a:p>
+            <a:pPr lvl="1"/>
+            <a:r>
+              <a:rPr lang="en-GB" dirty="0" smtClean="0"/>
+              <a:t>Atom</a:t>
+            </a:r>
+          </a:p>
+          <a:p>
+            <a:endParaRPr lang="en-GB" dirty="0" smtClean="0"/>
+          </a:p>
+          <a:p>
+            <a:endParaRPr lang="en-GB" dirty="0" smtClean="0"/>
+          </a:p>
+        </p:txBody>
+      </p:sp>
+    </p:spTree>
+  </p:cSld>
+  <p:clrMapOvr>
+    <a:masterClrMapping/>
+  </p:clrMapOvr>
+  <p:timing>
+    <p:tnLst>
+      <p:par>
+        <p:cTn id="1" dur="indefinite" restart="never" nodeType="tmRoot"/>
+      </p:par>
+    </p:tnLst>
+  </p:timing>
+</p:sld>
+</file>
+
+<file path=ppt/slides/slide8.xml><?xml version="1.0" encoding="utf-8"?>
+<p:sld xmlns:a="http://schemas.openxmlformats.org/drawingml/2006/main" xmlns:r="http://schemas.openxmlformats.org/officeDocument/2006/relationships" xmlns:mc="http://schemas.openxmlformats.org/markup-compatibility/2006" xmlns:mv="urn:schemas-microsoft-com:mac:vml" xmlns:p="http://schemas.openxmlformats.org/presentationml/2006/main" mc:Ignorable="mv" mc:PreserveAttributes="mv:*">
+  <p:cSld>
+    <p:spTree>
+      <p:nvGrpSpPr>
+        <p:cNvPr id="1" name=""/>
+        <p:cNvGrpSpPr/>
+        <p:nvPr/>
+      </p:nvGrpSpPr>
+      <p:grpSpPr>
+        <a:xfrm>
+          <a:off x="0" y="0"/>
+          <a:ext cx="0" cy="0"/>
+          <a:chOff x="0" y="0"/>
+          <a:chExt cx="0" cy="0"/>
+        </a:xfrm>
+      </p:grpSpPr>
+      <p:sp>
+        <p:nvSpPr>
+          <p:cNvPr id="2" name="Title 1"/>
+          <p:cNvSpPr>
+            <a:spLocks noGrp="1"/>
+          </p:cNvSpPr>
+          <p:nvPr>
+            <p:ph type="title"/>
+          </p:nvPr>
+        </p:nvSpPr>
+        <p:spPr/>
+        <p:txBody>
+          <a:bodyPr/>
+          <a:lstStyle/>
+          <a:p>
+            <a:r>
+              <a:rPr lang="en-GB" dirty="0" smtClean="0"/>
+              <a:t>Day 3</a:t>
+            </a:r>
+            <a:endParaRPr lang="en-GB" dirty="0"/>
+          </a:p>
+        </p:txBody>
+      </p:sp>
+      <p:sp>
+        <p:nvSpPr>
+          <p:cNvPr id="3" name="Content Placeholder 2"/>
+          <p:cNvSpPr>
+            <a:spLocks noGrp="1"/>
+          </p:cNvSpPr>
+          <p:nvPr>
+            <p:ph idx="1"/>
+          </p:nvPr>
+        </p:nvSpPr>
+        <p:spPr/>
+        <p:txBody>
+          <a:bodyPr>
+            <a:normAutofit fontScale="92500" lnSpcReduction="20000"/>
+          </a:bodyPr>
+          <a:lstStyle/>
+          <a:p>
+            <a:r>
+              <a:rPr lang="en-GB" smtClean="0"/>
+              <a:t>Web Workers</a:t>
+            </a:r>
+          </a:p>
+          <a:p>
+            <a:endParaRPr lang="en-GB" dirty="0" smtClean="0"/>
+          </a:p>
+          <a:p>
+            <a:r>
+              <a:rPr lang="en-GB" dirty="0" smtClean="0"/>
+              <a:t>Arrow Functions</a:t>
+            </a:r>
+          </a:p>
+          <a:p>
+            <a:endParaRPr lang="en-GB" dirty="0" smtClean="0"/>
+          </a:p>
+          <a:p>
+            <a:r>
+              <a:rPr lang="en-GB" dirty="0" err="1" smtClean="0"/>
+              <a:t>Javascript</a:t>
+            </a:r>
+            <a:r>
+              <a:rPr lang="en-GB" dirty="0" smtClean="0"/>
+              <a:t> Promises</a:t>
+            </a:r>
+          </a:p>
+          <a:p>
+            <a:endParaRPr lang="en-GB" dirty="0" smtClean="0"/>
+          </a:p>
+          <a:p>
+            <a:r>
+              <a:rPr lang="en-GB" dirty="0" err="1" smtClean="0"/>
+              <a:t>Destructuring</a:t>
+            </a:r>
+            <a:endParaRPr lang="en-GB" dirty="0" smtClean="0"/>
+          </a:p>
+          <a:p>
+            <a:endParaRPr lang="en-GB" dirty="0" smtClean="0"/>
+          </a:p>
+          <a:p>
+            <a:r>
+              <a:rPr lang="en-GB" dirty="0" smtClean="0"/>
+              <a:t>Merging</a:t>
+            </a:r>
+            <a:endParaRPr lang="en-GB" dirty="0" smtClean="0"/>
+          </a:p>
+          <a:p>
+            <a:endParaRPr lang="en-GB" dirty="0" smtClean="0"/>
+          </a:p>
+        </p:txBody>
+      </p:sp>
+    </p:spTree>
+  </p:cSld>
+  <p:clrMapOvr>
+    <a:masterClrMapping/>
+  </p:clrMapOvr>
+  <p:timing>
+    <p:tnLst>
+      <p:par>
+        <p:cTn id="1" dur="indefinite" restart="never" nodeType="tmRoot"/>
+      </p:par>
+    </p:tnLst>
+  </p:timing>
+</p:sld>
+</file>
+
+<file path=ppt/slides/slide9.xml><?xml version="1.0" encoding="utf-8"?>
+<p:sld xmlns:a="http://schemas.openxmlformats.org/drawingml/2006/main" xmlns:r="http://schemas.openxmlformats.org/officeDocument/2006/relationships" xmlns:mc="http://schemas.openxmlformats.org/markup-compatibility/2006" xmlns:mv="urn:schemas-microsoft-com:mac:vml" xmlns:p="http://schemas.openxmlformats.org/presentationml/2006/main" mc:Ignorable="mv" mc:PreserveAttributes="mv:*">
+  <p:cSld>
+    <p:spTree>
+      <p:nvGrpSpPr>
+        <p:cNvPr id="1" name=""/>
+        <p:cNvGrpSpPr/>
+        <p:nvPr/>
+      </p:nvGrpSpPr>
+      <p:grpSpPr>
+        <a:xfrm>
+          <a:off x="0" y="0"/>
+          <a:ext cx="0" cy="0"/>
+          <a:chOff x="0" y="0"/>
+          <a:chExt cx="0" cy="0"/>
+        </a:xfrm>
+      </p:grpSpPr>
+      <p:sp>
+        <p:nvSpPr>
+          <p:cNvPr id="2" name="Title 1"/>
+          <p:cNvSpPr>
+            <a:spLocks noGrp="1"/>
+          </p:cNvSpPr>
+          <p:nvPr>
+            <p:ph type="title"/>
+          </p:nvPr>
+        </p:nvSpPr>
+        <p:spPr/>
+        <p:txBody>
+          <a:bodyPr/>
+          <a:lstStyle/>
+          <a:p>
+            <a:r>
+              <a:rPr lang="en-GB" dirty="0" smtClean="0"/>
+              <a:t>Day 3</a:t>
+            </a:r>
+            <a:endParaRPr lang="en-GB" dirty="0"/>
+          </a:p>
+        </p:txBody>
+      </p:sp>
+      <p:sp>
+        <p:nvSpPr>
+          <p:cNvPr id="3" name="Content Placeholder 2"/>
+          <p:cNvSpPr>
+            <a:spLocks noGrp="1"/>
+          </p:cNvSpPr>
+          <p:nvPr>
+            <p:ph idx="1"/>
+          </p:nvPr>
+        </p:nvSpPr>
+        <p:spPr/>
+        <p:txBody>
+          <a:bodyPr>
+            <a:normAutofit fontScale="92500" lnSpcReduction="20000"/>
+          </a:bodyPr>
+          <a:lstStyle/>
+          <a:p>
+            <a:r>
+              <a:rPr lang="en-GB" dirty="0" smtClean="0"/>
+              <a:t>Arrays Revisited</a:t>
+            </a:r>
+          </a:p>
+          <a:p>
+            <a:endParaRPr lang="en-GB" dirty="0" smtClean="0"/>
+          </a:p>
+          <a:p>
+            <a:r>
+              <a:rPr lang="en-GB" dirty="0" smtClean="0"/>
+              <a:t>Keyed Collections</a:t>
+            </a:r>
+          </a:p>
+          <a:p>
+            <a:endParaRPr lang="en-GB" dirty="0" smtClean="0"/>
+          </a:p>
+          <a:p>
+            <a:r>
+              <a:rPr lang="en-GB" dirty="0" smtClean="0"/>
+              <a:t>Template Literals</a:t>
+            </a:r>
+          </a:p>
+          <a:p>
+            <a:endParaRPr lang="en-GB" dirty="0" smtClean="0"/>
+          </a:p>
+          <a:p>
+            <a:r>
+              <a:rPr lang="en-GB" dirty="0" smtClean="0"/>
+              <a:t>The Module Pattern in JavaScript (Closures)</a:t>
+            </a:r>
+          </a:p>
+          <a:p>
+            <a:endParaRPr lang="en-GB" dirty="0" smtClean="0"/>
+          </a:p>
+          <a:p>
+            <a:r>
+              <a:rPr lang="en-GB" dirty="0" smtClean="0"/>
+              <a:t>Classes</a:t>
+            </a:r>
+          </a:p>
+          <a:p>
+            <a:endParaRPr lang="en-GB" dirty="0" smtClean="0"/>
+          </a:p>
+        </p:txBody>
+      </p:sp>
+    </p:spTree>
+  </p:cSld>
+  <p:clrMapOvr>
+    <a:masterClrMapping/>
+  </p:clrMapOvr>
+  <p:timing>
+    <p:tnLst>
+      <p:par>
+        <p:cTn id="1" dur="indefinite" restart="never" nodeType="tmRoot"/>
+      </p:par>
+    </p:tnLst>
+  </p:timing>
 </p:sld>
 </file>
 
